--- a/Images/Figures_PPT/PieWithOutRictorModified.pptx
+++ b/Images/Figures_PPT/PieWithOutRictorModified.pptx
@@ -307,7 +307,7 @@
           <a:p>
             <a:fld id="{E6744CE3-0875-4B69-89C0-6F72D8139561}" type="datetimeFigureOut">
               <a:rPr lang="en-GB" smtClean="0"/>
-              <a:t>07/05/2025</a:t>
+              <a:t>03/06/2025</a:t>
             </a:fld>
             <a:endParaRPr lang="en-GB"/>
           </a:p>
@@ -477,7 +477,7 @@
           <a:p>
             <a:fld id="{E6744CE3-0875-4B69-89C0-6F72D8139561}" type="datetimeFigureOut">
               <a:rPr lang="en-GB" smtClean="0"/>
-              <a:t>07/05/2025</a:t>
+              <a:t>03/06/2025</a:t>
             </a:fld>
             <a:endParaRPr lang="en-GB"/>
           </a:p>
@@ -723,7 +723,7 @@
           <a:p>
             <a:fld id="{E6744CE3-0875-4B69-89C0-6F72D8139561}" type="datetimeFigureOut">
               <a:rPr lang="en-GB" smtClean="0"/>
-              <a:t>07/05/2025</a:t>
+              <a:t>03/06/2025</a:t>
             </a:fld>
             <a:endParaRPr lang="en-GB"/>
           </a:p>
@@ -1011,7 +1011,7 @@
           <a:p>
             <a:fld id="{E6744CE3-0875-4B69-89C0-6F72D8139561}" type="datetimeFigureOut">
               <a:rPr lang="en-GB" smtClean="0"/>
-              <a:t>07/05/2025</a:t>
+              <a:t>03/06/2025</a:t>
             </a:fld>
             <a:endParaRPr lang="en-GB"/>
           </a:p>
@@ -1433,7 +1433,7 @@
           <a:p>
             <a:fld id="{E6744CE3-0875-4B69-89C0-6F72D8139561}" type="datetimeFigureOut">
               <a:rPr lang="en-GB" smtClean="0"/>
-              <a:t>07/05/2025</a:t>
+              <a:t>03/06/2025</a:t>
             </a:fld>
             <a:endParaRPr lang="en-GB"/>
           </a:p>
@@ -1551,7 +1551,7 @@
           <a:p>
             <a:fld id="{E6744CE3-0875-4B69-89C0-6F72D8139561}" type="datetimeFigureOut">
               <a:rPr lang="en-GB" smtClean="0"/>
-              <a:t>07/05/2025</a:t>
+              <a:t>03/06/2025</a:t>
             </a:fld>
             <a:endParaRPr lang="en-GB"/>
           </a:p>
@@ -1646,7 +1646,7 @@
           <a:p>
             <a:fld id="{E6744CE3-0875-4B69-89C0-6F72D8139561}" type="datetimeFigureOut">
               <a:rPr lang="en-GB" smtClean="0"/>
-              <a:t>07/05/2025</a:t>
+              <a:t>03/06/2025</a:t>
             </a:fld>
             <a:endParaRPr lang="en-GB"/>
           </a:p>
@@ -1859,7 +1859,7 @@
           <a:p>
             <a:fld id="{E6744CE3-0875-4B69-89C0-6F72D8139561}" type="datetimeFigureOut">
               <a:rPr lang="en-GB" smtClean="0"/>
-              <a:t>07/05/2025</a:t>
+              <a:t>03/06/2025</a:t>
             </a:fld>
             <a:endParaRPr lang="en-GB"/>
           </a:p>
@@ -2244,10 +2244,10 @@
         </p:nvGrpSpPr>
         <p:grpSpPr>
           <a:xfrm>
-            <a:off x="-480000" y="260648"/>
-            <a:ext cx="9651355" cy="6400800"/>
-            <a:chOff x="-480000" y="260648"/>
-            <a:chExt cx="9651355" cy="6400800"/>
+            <a:off x="0" y="245809"/>
+            <a:ext cx="9171355" cy="6400800"/>
+            <a:chOff x="0" y="245809"/>
+            <a:chExt cx="9171355" cy="6400800"/>
           </a:xfrm>
         </p:grpSpPr>
         <p:grpSp>
@@ -2258,10 +2258,10 @@
           </p:nvGrpSpPr>
           <p:grpSpPr>
             <a:xfrm>
-              <a:off x="-480000" y="260648"/>
-              <a:ext cx="9651355" cy="6400800"/>
-              <a:chOff x="434400" y="914400"/>
-              <a:chExt cx="9651355" cy="6400800"/>
+              <a:off x="0" y="245809"/>
+              <a:ext cx="9171355" cy="6400800"/>
+              <a:chOff x="914400" y="899561"/>
+              <a:chExt cx="9171355" cy="6400800"/>
             </a:xfrm>
           </p:grpSpPr>
           <p:sp>
@@ -2272,7 +2272,7 @@
             </p:nvSpPr>
             <p:spPr>
               <a:xfrm>
-                <a:off x="914400" y="914400"/>
+                <a:off x="914400" y="899561"/>
                 <a:ext cx="9144000" cy="6400800"/>
               </a:xfrm>
               <a:prstGeom prst="rect">
@@ -4202,7 +4202,7 @@
                   </a:spcAft>
                 </a:pPr>
                 <a:r>
-                  <a:rPr sz="1707" dirty="0" err="1">
+                  <a:rPr sz="1707" b="1" dirty="0" err="1">
                     <a:solidFill>
                       <a:srgbClr val="000000">
                         <a:alpha val="100000"/>
@@ -4214,7 +4214,7 @@
                   <a:t>Streptophyta</a:t>
                 </a:r>
                 <a:r>
-                  <a:rPr sz="1707" dirty="0">
+                  <a:rPr sz="1707" b="1" dirty="0">
                     <a:solidFill>
                       <a:srgbClr val="000000">
                         <a:alpha val="100000"/>
@@ -4260,7 +4260,7 @@
                   </a:spcAft>
                 </a:pPr>
                 <a:r>
-                  <a:rPr sz="1707" dirty="0">
+                  <a:rPr sz="1707" b="1" dirty="0">
                     <a:solidFill>
                       <a:srgbClr val="000000">
                         <a:alpha val="100000"/>
@@ -4306,7 +4306,7 @@
                   </a:spcAft>
                 </a:pPr>
                 <a:r>
-                  <a:rPr sz="1707" dirty="0">
+                  <a:rPr sz="1707" b="1" dirty="0">
                     <a:solidFill>
                       <a:srgbClr val="000000">
                         <a:alpha val="100000"/>
@@ -4352,7 +4352,7 @@
                   </a:spcAft>
                 </a:pPr>
                 <a:r>
-                  <a:rPr sz="1707" dirty="0">
+                  <a:rPr sz="1707" b="1" dirty="0">
                     <a:solidFill>
                       <a:srgbClr val="000000">
                         <a:alpha val="100000"/>
@@ -4398,7 +4398,7 @@
                   </a:spcAft>
                 </a:pPr>
                 <a:r>
-                  <a:rPr sz="1707" dirty="0">
+                  <a:rPr sz="1707" b="1" dirty="0">
                     <a:solidFill>
                       <a:srgbClr val="000000">
                         <a:alpha val="100000"/>
@@ -4444,7 +4444,7 @@
                   </a:spcAft>
                 </a:pPr>
                 <a:r>
-                  <a:rPr sz="1707" dirty="0">
+                  <a:rPr sz="1707" b="1" dirty="0">
                     <a:solidFill>
                       <a:srgbClr val="000000">
                         <a:alpha val="100000"/>
@@ -4490,6 +4490,18 @@
                   </a:spcAft>
                 </a:pPr>
                 <a:r>
+                  <a:rPr sz="1707" b="1" dirty="0">
+                    <a:solidFill>
+                      <a:srgbClr val="000000">
+                        <a:alpha val="100000"/>
+                      </a:srgbClr>
+                    </a:solidFill>
+                    <a:latin typeface="Arial"/>
+                    <a:cs typeface="Arial"/>
+                  </a:rPr>
+                  <a:t>Mixotroph</a:t>
+                </a:r>
+                <a:r>
                   <a:rPr sz="1707" dirty="0">
                     <a:solidFill>
                       <a:srgbClr val="000000">
@@ -4499,7 +4511,7 @@
                     <a:latin typeface="Arial"/>
                     <a:cs typeface="Arial"/>
                   </a:rPr>
-                  <a:t>Mixotroph </a:t>
+                  <a:t> </a:t>
                 </a:r>
               </a:p>
             </p:txBody>
@@ -4536,7 +4548,7 @@
                   </a:spcAft>
                 </a:pPr>
                 <a:r>
-                  <a:rPr sz="1707" dirty="0">
+                  <a:rPr sz="1707" b="1" dirty="0">
                     <a:solidFill>
                       <a:srgbClr val="000000">
                         <a:alpha val="100000"/>
@@ -4582,6 +4594,18 @@
                   </a:spcAft>
                 </a:pPr>
                 <a:r>
+                  <a:rPr sz="1707" b="1" dirty="0">
+                    <a:solidFill>
+                      <a:srgbClr val="000000">
+                        <a:alpha val="100000"/>
+                      </a:srgbClr>
+                    </a:solidFill>
+                    <a:latin typeface="Arial"/>
+                    <a:cs typeface="Arial"/>
+                  </a:rPr>
+                  <a:t>Endosymbiotic</a:t>
+                </a:r>
+                <a:r>
                   <a:rPr sz="1707" dirty="0">
                     <a:solidFill>
                       <a:srgbClr val="000000">
@@ -4591,7 +4615,7 @@
                     <a:latin typeface="Arial"/>
                     <a:cs typeface="Arial"/>
                   </a:rPr>
-                  <a:t>Endosymbiotic </a:t>
+                  <a:t> </a:t>
                 </a:r>
               </a:p>
             </p:txBody>
@@ -4637,7 +4661,43 @@
                     <a:latin typeface="Arial"/>
                     <a:cs typeface="Arial"/>
                   </a:rPr>
-                  <a:t> 1.92 %</a:t>
+                  <a:t> </a:t>
+                </a:r>
+                <a:r>
+                  <a:rPr sz="1707" b="1" dirty="0">
+                    <a:solidFill>
+                      <a:srgbClr val="000000">
+                        <a:alpha val="100000"/>
+                      </a:srgbClr>
+                    </a:solidFill>
+                    <a:latin typeface="Arial"/>
+                    <a:cs typeface="Arial"/>
+                  </a:rPr>
+                  <a:t>1.92</a:t>
+                </a:r>
+                <a:r>
+                  <a:rPr sz="1707" dirty="0">
+                    <a:solidFill>
+                      <a:srgbClr val="000000">
+                        <a:alpha val="100000"/>
+                      </a:srgbClr>
+                    </a:solidFill>
+                    <a:latin typeface="Arial"/>
+                    <a:cs typeface="Arial"/>
+                  </a:rPr>
+                  <a:t> </a:t>
+                </a:r>
+                <a:r>
+                  <a:rPr sz="1707" b="1" dirty="0">
+                    <a:solidFill>
+                      <a:srgbClr val="000000">
+                        <a:alpha val="100000"/>
+                      </a:srgbClr>
+                    </a:solidFill>
+                    <a:latin typeface="Arial"/>
+                    <a:cs typeface="Arial"/>
+                  </a:rPr>
+                  <a:t>%</a:t>
                 </a:r>
               </a:p>
             </p:txBody>
@@ -4674,6 +4734,18 @@
                   </a:spcAft>
                 </a:pPr>
                 <a:r>
+                  <a:rPr sz="1707" b="1" dirty="0">
+                    <a:solidFill>
+                      <a:srgbClr val="000000">
+                        <a:alpha val="100000"/>
+                      </a:srgbClr>
+                    </a:solidFill>
+                    <a:latin typeface="Arial"/>
+                    <a:cs typeface="Arial"/>
+                  </a:rPr>
+                  <a:t>Autotrophic</a:t>
+                </a:r>
+                <a:r>
                   <a:rPr sz="1707" dirty="0">
                     <a:solidFill>
                       <a:srgbClr val="000000">
@@ -4683,7 +4755,7 @@
                     <a:latin typeface="Arial"/>
                     <a:cs typeface="Arial"/>
                   </a:rPr>
-                  <a:t>Autotrophic </a:t>
+                  <a:t> </a:t>
                 </a:r>
               </a:p>
             </p:txBody>
@@ -4720,7 +4792,7 @@
                   </a:spcAft>
                 </a:pPr>
                 <a:r>
-                  <a:rPr sz="1707" dirty="0">
+                  <a:rPr sz="1707" b="1" dirty="0">
                     <a:solidFill>
                       <a:srgbClr val="000000">
                         <a:alpha val="100000"/>
@@ -4731,98 +4803,6 @@
                   </a:rPr>
                   <a:t> 77.6 %</a:t>
                 </a:r>
-              </a:p>
-            </p:txBody>
-          </p:sp>
-          <p:sp>
-            <p:nvSpPr>
-              <p:cNvPr id="24" name="tx23"/>
-              <p:cNvSpPr/>
-              <p:nvPr/>
-            </p:nvSpPr>
-            <p:spPr>
-              <a:xfrm>
-                <a:off x="434400" y="1087561"/>
-                <a:ext cx="4720741" cy="486895"/>
-              </a:xfrm>
-              <a:prstGeom prst="rect">
-                <a:avLst/>
-              </a:prstGeom>
-              <a:noFill/>
-            </p:spPr>
-            <p:txBody>
-              <a:bodyPr wrap="none" lIns="0" tIns="0" rIns="0" bIns="0" anchor="ctr" anchorCtr="1"/>
-              <a:lstStyle/>
-              <a:p>
-                <a:pPr marL="0" marR="0" indent="0" algn="l">
-                  <a:lnSpc>
-                    <a:spcPts val="1320"/>
-                  </a:lnSpc>
-                  <a:spcBef>
-                    <a:spcPts val="0"/>
-                  </a:spcBef>
-                  <a:spcAft>
-                    <a:spcPts val="0"/>
-                  </a:spcAft>
-                </a:pPr>
-                <a:r>
-                  <a:rPr sz="1320" dirty="0">
-                    <a:solidFill>
-                      <a:srgbClr val="000000">
-                        <a:alpha val="100000"/>
-                      </a:srgbClr>
-                    </a:solidFill>
-                    <a:latin typeface="Times New Roman"/>
-                    <a:cs typeface="Times New Roman"/>
-                  </a:rPr>
-                  <a:t>Metabolic Strategy Breakdown</a:t>
-                </a:r>
-                <a:r>
-                  <a:rPr lang="en-US" sz="1320" dirty="0">
-                    <a:solidFill>
-                      <a:srgbClr val="000000">
-                        <a:alpha val="100000"/>
-                      </a:srgbClr>
-                    </a:solidFill>
-                    <a:latin typeface="Times New Roman"/>
-                    <a:cs typeface="Times New Roman"/>
-                  </a:rPr>
-                  <a:t>:</a:t>
-                </a:r>
-              </a:p>
-              <a:p>
-                <a:pPr marL="0" marR="0" indent="0" algn="l">
-                  <a:lnSpc>
-                    <a:spcPts val="1320"/>
-                  </a:lnSpc>
-                  <a:spcBef>
-                    <a:spcPts val="0"/>
-                  </a:spcBef>
-                  <a:spcAft>
-                    <a:spcPts val="0"/>
-                  </a:spcAft>
-                </a:pPr>
-                <a:r>
-                  <a:rPr lang="en-US" sz="1320" dirty="0">
-                    <a:solidFill>
-                      <a:srgbClr val="000000">
-                        <a:alpha val="100000"/>
-                      </a:srgbClr>
-                    </a:solidFill>
-                    <a:latin typeface="Times New Roman"/>
-                    <a:cs typeface="Times New Roman"/>
-                  </a:rPr>
-                  <a:t>No Rictor</a:t>
-                </a:r>
-                <a:endParaRPr sz="1320" dirty="0">
-                  <a:solidFill>
-                    <a:srgbClr val="000000">
-                      <a:alpha val="100000"/>
-                    </a:srgbClr>
-                  </a:solidFill>
-                  <a:latin typeface="Times New Roman"/>
-                  <a:cs typeface="Times New Roman"/>
-                </a:endParaRPr>
               </a:p>
             </p:txBody>
           </p:sp>
